--- a/slides/python.pptx
+++ b/slides/python.pptx
@@ -20737,42 +20737,6 @@
           </a:p>
         </p:txBody>
       </p:sp>
-      <p:sp>
-        <p:nvSpPr>
-          <p:cNvPr id="21" name="TextBox 20">
-            <a:extLst>
-              <a:ext uri="{FF2B5EF4-FFF2-40B4-BE49-F238E27FC236}">
-                <a16:creationId xmlns:a16="http://schemas.microsoft.com/office/drawing/2014/main" id="{3A6CEE09-CE95-4C3D-8722-D4BBC0199D33}"/>
-              </a:ext>
-            </a:extLst>
-          </p:cNvPr>
-          <p:cNvSpPr txBox="1"/>
-          <p:nvPr/>
-        </p:nvSpPr>
-        <p:spPr>
-          <a:xfrm>
-            <a:off x="1094317" y="6419220"/>
-            <a:ext cx="4168129" cy="261610"/>
-          </a:xfrm>
-          <a:prstGeom prst="rect">
-            <a:avLst/>
-          </a:prstGeom>
-          <a:noFill/>
-        </p:spPr>
-        <p:txBody>
-          <a:bodyPr wrap="none" rtlCol="0">
-            <a:spAutoFit/>
-          </a:bodyPr>
-          <a:lstStyle/>
-          <a:p>
-            <a:r>
-              <a:rPr lang="en-GB" sz="1100" dirty="0"/>
-              <a:t>Source : http://postgis.net/workshops/postgis-intro/indexing.html</a:t>
-            </a:r>
-            <a:endParaRPr lang="fr-CH" sz="1100" dirty="0"/>
-          </a:p>
-        </p:txBody>
-      </p:sp>
       <p:pic>
         <p:nvPicPr>
           <p:cNvPr id="4" name="Picture 3">
@@ -24523,42 +24487,6 @@
           </a:p>
         </p:txBody>
       </p:sp>
-      <p:sp>
-        <p:nvSpPr>
-          <p:cNvPr id="21" name="TextBox 20">
-            <a:extLst>
-              <a:ext uri="{FF2B5EF4-FFF2-40B4-BE49-F238E27FC236}">
-                <a16:creationId xmlns:a16="http://schemas.microsoft.com/office/drawing/2014/main" id="{3A6CEE09-CE95-4C3D-8722-D4BBC0199D33}"/>
-              </a:ext>
-            </a:extLst>
-          </p:cNvPr>
-          <p:cNvSpPr txBox="1"/>
-          <p:nvPr/>
-        </p:nvSpPr>
-        <p:spPr>
-          <a:xfrm>
-            <a:off x="1094317" y="6419220"/>
-            <a:ext cx="4168129" cy="261610"/>
-          </a:xfrm>
-          <a:prstGeom prst="rect">
-            <a:avLst/>
-          </a:prstGeom>
-          <a:noFill/>
-        </p:spPr>
-        <p:txBody>
-          <a:bodyPr wrap="none" rtlCol="0">
-            <a:spAutoFit/>
-          </a:bodyPr>
-          <a:lstStyle/>
-          <a:p>
-            <a:r>
-              <a:rPr lang="en-GB" sz="1100" dirty="0"/>
-              <a:t>Source : http://postgis.net/workshops/postgis-intro/indexing.html</a:t>
-            </a:r>
-            <a:endParaRPr lang="fr-CH" sz="1100" dirty="0"/>
-          </a:p>
-        </p:txBody>
-      </p:sp>
       <p:pic>
         <p:nvPicPr>
           <p:cNvPr id="6" name="Picture 5">
@@ -31917,42 +31845,6 @@
               <a:t>Introduction</a:t>
             </a:r>
             <a:endParaRPr lang="fr-CH" dirty="0"/>
-          </a:p>
-        </p:txBody>
-      </p:sp>
-      <p:sp>
-        <p:nvSpPr>
-          <p:cNvPr id="21" name="TextBox 20">
-            <a:extLst>
-              <a:ext uri="{FF2B5EF4-FFF2-40B4-BE49-F238E27FC236}">
-                <a16:creationId xmlns:a16="http://schemas.microsoft.com/office/drawing/2014/main" id="{3A6CEE09-CE95-4C3D-8722-D4BBC0199D33}"/>
-              </a:ext>
-            </a:extLst>
-          </p:cNvPr>
-          <p:cNvSpPr txBox="1"/>
-          <p:nvPr/>
-        </p:nvSpPr>
-        <p:spPr>
-          <a:xfrm>
-            <a:off x="1094317" y="6419220"/>
-            <a:ext cx="4168129" cy="261610"/>
-          </a:xfrm>
-          <a:prstGeom prst="rect">
-            <a:avLst/>
-          </a:prstGeom>
-          <a:noFill/>
-        </p:spPr>
-        <p:txBody>
-          <a:bodyPr wrap="none" rtlCol="0">
-            <a:spAutoFit/>
-          </a:bodyPr>
-          <a:lstStyle/>
-          <a:p>
-            <a:r>
-              <a:rPr lang="en-GB" sz="1100" dirty="0"/>
-              <a:t>Source : http://postgis.net/workshops/postgis-intro/indexing.html</a:t>
-            </a:r>
-            <a:endParaRPr lang="fr-CH" sz="1100" dirty="0"/>
           </a:p>
         </p:txBody>
       </p:sp>
@@ -34268,42 +34160,6 @@
               <a:t>Introduction</a:t>
             </a:r>
             <a:endParaRPr lang="fr-CH" dirty="0"/>
-          </a:p>
-        </p:txBody>
-      </p:sp>
-      <p:sp>
-        <p:nvSpPr>
-          <p:cNvPr id="21" name="TextBox 20">
-            <a:extLst>
-              <a:ext uri="{FF2B5EF4-FFF2-40B4-BE49-F238E27FC236}">
-                <a16:creationId xmlns:a16="http://schemas.microsoft.com/office/drawing/2014/main" id="{3A6CEE09-CE95-4C3D-8722-D4BBC0199D33}"/>
-              </a:ext>
-            </a:extLst>
-          </p:cNvPr>
-          <p:cNvSpPr txBox="1"/>
-          <p:nvPr/>
-        </p:nvSpPr>
-        <p:spPr>
-          <a:xfrm>
-            <a:off x="1094317" y="6419220"/>
-            <a:ext cx="4168129" cy="261610"/>
-          </a:xfrm>
-          <a:prstGeom prst="rect">
-            <a:avLst/>
-          </a:prstGeom>
-          <a:noFill/>
-        </p:spPr>
-        <p:txBody>
-          <a:bodyPr wrap="none" rtlCol="0">
-            <a:spAutoFit/>
-          </a:bodyPr>
-          <a:lstStyle/>
-          <a:p>
-            <a:r>
-              <a:rPr lang="en-GB" sz="1100" dirty="0"/>
-              <a:t>Source : http://postgis.net/workshops/postgis-intro/indexing.html</a:t>
-            </a:r>
-            <a:endParaRPr lang="fr-CH" sz="1100" dirty="0"/>
           </a:p>
         </p:txBody>
       </p:sp>

--- a/slides/python.pptx
+++ b/slides/python.pptx
@@ -352,7 +352,7 @@
       </p15:notesGuideLst>
     </p:ext>
     <p:ext uri="http://customooxmlschemas.google.com/">
-      <go:slidesCustomData xmlns="" xmlns:mc="http://schemas.openxmlformats.org/markup-compatibility/2006" xmlns:mv="urn:schemas-microsoft-com:mac:vml" xmlns:c="http://schemas.openxmlformats.org/drawingml/2006/chart" xmlns:dgm="http://schemas.openxmlformats.org/drawingml/2006/diagram" xmlns:o="urn:schemas-microsoft-com:office:office" xmlns:v="urn:schemas-microsoft-com:vml" xmlns:pvml="urn:schemas-microsoft-com:office:powerpoint" xmlns:com="http://schemas.openxmlformats.org/drawingml/2006/compatibility" xmlns:p14="http://schemas.microsoft.com/office/powerpoint/2010/main" xmlns:p15="http://schemas.microsoft.com/office/powerpoint/2012/main" xmlns:ahyp="http://schemas.microsoft.com/office/drawing/2018/hyperlinkcolor" xmlns:go="http://customooxmlschemas.google.com/" r:id="rId89" roundtripDataSignature="AMtx7mh019ysyy8ngHVmXeADEBCdWKWQmw=="/>
+      <go:slidesCustomData xmlns:go="http://customooxmlschemas.google.com/" xmlns:ahyp="http://schemas.microsoft.com/office/drawing/2018/hyperlinkcolor" xmlns:p15="http://schemas.microsoft.com/office/powerpoint/2012/main" xmlns:p14="http://schemas.microsoft.com/office/powerpoint/2010/main" xmlns:com="http://schemas.openxmlformats.org/drawingml/2006/compatibility" xmlns:pvml="urn:schemas-microsoft-com:office:powerpoint" xmlns:v="urn:schemas-microsoft-com:vml" xmlns:o="urn:schemas-microsoft-com:office:office" xmlns:dgm="http://schemas.openxmlformats.org/drawingml/2006/diagram" xmlns:c="http://schemas.openxmlformats.org/drawingml/2006/chart" xmlns:mv="urn:schemas-microsoft-com:mac:vml" xmlns:mc="http://schemas.openxmlformats.org/markup-compatibility/2006" xmlns="" r:id="rId89" roundtripDataSignature="AMtx7mh019ysyy8ngHVmXeADEBCdWKWQmw=="/>
     </p:ext>
   </p:extLst>
 </p:presentation>
@@ -10609,7 +10609,7 @@
         <p14:doors dir="vert"/>
       </p:transition>
     </mc:Choice>
-    <mc:Fallback xmlns="" xmlns:mv="urn:schemas-microsoft-com:mac:vml" xmlns:c="http://schemas.openxmlformats.org/drawingml/2006/chart" xmlns:dgm="http://schemas.openxmlformats.org/drawingml/2006/diagram" xmlns:o="urn:schemas-microsoft-com:office:office" xmlns:v="urn:schemas-microsoft-com:vml" xmlns:pvml="urn:schemas-microsoft-com:office:powerpoint" xmlns:com="http://schemas.openxmlformats.org/drawingml/2006/compatibility" xmlns:p15="http://schemas.microsoft.com/office/powerpoint/2012/main" xmlns:ahyp="http://schemas.microsoft.com/office/drawing/2018/hyperlinkcolor">
+    <mc:Fallback xmlns:ahyp="http://schemas.microsoft.com/office/drawing/2018/hyperlinkcolor" xmlns:p15="http://schemas.microsoft.com/office/powerpoint/2012/main" xmlns:com="http://schemas.openxmlformats.org/drawingml/2006/compatibility" xmlns:pvml="urn:schemas-microsoft-com:office:powerpoint" xmlns:v="urn:schemas-microsoft-com:vml" xmlns:o="urn:schemas-microsoft-com:office:office" xmlns:dgm="http://schemas.openxmlformats.org/drawingml/2006/diagram" xmlns:c="http://schemas.openxmlformats.org/drawingml/2006/chart" xmlns:mv="urn:schemas-microsoft-com:mac:vml" xmlns="">
       <p:transition spd="med">
         <p:fade/>
       </p:transition>
@@ -11472,6 +11472,36 @@
           </a:p>
         </p:txBody>
       </p:sp>
+      <p:pic>
+        <p:nvPicPr>
+          <p:cNvPr id="4" name="Picture 3">
+            <a:extLst>
+              <a:ext uri="{FF2B5EF4-FFF2-40B4-BE49-F238E27FC236}">
+                <a16:creationId xmlns:a16="http://schemas.microsoft.com/office/drawing/2014/main" id="{F99ED93D-EBC8-47D9-A98D-D42ED0090B46}"/>
+              </a:ext>
+            </a:extLst>
+          </p:cNvPr>
+          <p:cNvPicPr>
+            <a:picLocks noChangeAspect="1"/>
+          </p:cNvPicPr>
+          <p:nvPr/>
+        </p:nvPicPr>
+        <p:blipFill>
+          <a:blip r:embed="rId7"/>
+          <a:stretch>
+            <a:fillRect/>
+          </a:stretch>
+        </p:blipFill>
+        <p:spPr>
+          <a:xfrm>
+            <a:off x="3023631" y="3982662"/>
+            <a:ext cx="5315940" cy="2623039"/>
+          </a:xfrm>
+          <a:prstGeom prst="rect">
+            <a:avLst/>
+          </a:prstGeom>
+        </p:spPr>
+      </p:pic>
     </p:spTree>
     <p:extLst>
       <p:ext uri="{BB962C8B-B14F-4D97-AF65-F5344CB8AC3E}">
